--- a/進捗報告テンプレート.pptx
+++ b/進捗報告テンプレート.pptx
@@ -5,15 +5,16 @@
     <p:sldMasterId id="2147483681" r:id="rId3"/>
   </p:sldMasterIdLst>
   <p:notesMasterIdLst>
-    <p:notesMasterId r:id="rId10"/>
+    <p:notesMasterId r:id="rId11"/>
   </p:notesMasterIdLst>
   <p:sldIdLst>
     <p:sldId id="287" r:id="rId4"/>
     <p:sldId id="282" r:id="rId5"/>
     <p:sldId id="283" r:id="rId6"/>
-    <p:sldId id="284" r:id="rId7"/>
-    <p:sldId id="286" r:id="rId8"/>
-    <p:sldId id="288" r:id="rId9"/>
+    <p:sldId id="289" r:id="rId7"/>
+    <p:sldId id="284" r:id="rId8"/>
+    <p:sldId id="286" r:id="rId9"/>
+    <p:sldId id="288" r:id="rId10"/>
   </p:sldIdLst>
   <p:sldSz cx="12192000" cy="6858000"/>
   <p:notesSz cx="6858000" cy="9144000"/>
@@ -120,6 +121,7 @@
             <p14:sldId id="287"/>
             <p14:sldId id="282"/>
             <p14:sldId id="283"/>
+            <p14:sldId id="289"/>
             <p14:sldId id="284"/>
             <p14:sldId id="286"/>
             <p14:sldId id="288"/>
@@ -222,7 +224,7 @@
           <a:p>
             <a:fld id="{DA2E773F-8175-FB43-89E7-ED77506F04F6}" type="datetimeFigureOut">
               <a:rPr kumimoji="1" lang="ja-JP" altLang="en-US" smtClean="0"/>
-              <a:t>2024/3/10</a:t>
+              <a:t>2024/5/1</a:t>
             </a:fld>
             <a:endParaRPr kumimoji="1" lang="ja-JP" altLang="en-US"/>
           </a:p>
@@ -2812,7 +2814,7 @@
           <a:p>
             <a:fld id="{C92DE795-9266-D64D-9C29-2CBA3E572420}" type="datetime1">
               <a:rPr kumimoji="1" lang="ja-JP" altLang="en-US" smtClean="0"/>
-              <a:t>2024/3/10</a:t>
+              <a:t>2024/5/1</a:t>
             </a:fld>
             <a:endParaRPr kumimoji="1" lang="ja-JP" altLang="en-US"/>
           </a:p>
@@ -3435,12 +3437,10 @@
           </a:bodyPr>
           <a:lstStyle/>
           <a:p>
-            <a:pPr marL="514350" indent="-514350">
+            <a:pPr>
               <a:lnSpc>
                 <a:spcPct val="100000"/>
               </a:lnSpc>
-              <a:buFont typeface="+mj-lt"/>
-              <a:buAutoNum type="arabicPeriod"/>
             </a:pPr>
             <a:r>
               <a:rPr lang="ja-JP" altLang="en-US"/>
@@ -3449,12 +3449,10 @@
             <a:endParaRPr lang="en-US" altLang="ja-JP" dirty="0"/>
           </a:p>
           <a:p>
-            <a:pPr marL="514350" indent="-514350">
+            <a:pPr>
               <a:lnSpc>
                 <a:spcPct val="100000"/>
               </a:lnSpc>
-              <a:buFont typeface="+mj-lt"/>
-              <a:buAutoNum type="arabicPeriod"/>
             </a:pPr>
             <a:r>
               <a:rPr lang="ja-JP" altLang="en-US"/>
@@ -3463,12 +3461,10 @@
             <a:endParaRPr lang="en-US" altLang="ja-JP" dirty="0"/>
           </a:p>
           <a:p>
-            <a:pPr marL="514350" indent="-514350">
+            <a:pPr>
               <a:lnSpc>
                 <a:spcPct val="100000"/>
               </a:lnSpc>
-              <a:buFont typeface="+mj-lt"/>
-              <a:buAutoNum type="arabicPeriod"/>
             </a:pPr>
             <a:r>
               <a:rPr lang="ja-JP" altLang="en-US"/>
@@ -3485,12 +3481,10 @@
             <a:endParaRPr lang="en-US" altLang="ja-JP" dirty="0"/>
           </a:p>
           <a:p>
-            <a:pPr marL="514350" indent="-514350">
+            <a:pPr>
               <a:lnSpc>
                 <a:spcPct val="100000"/>
               </a:lnSpc>
-              <a:buFont typeface="+mj-lt"/>
-              <a:buAutoNum type="arabicPeriod"/>
             </a:pPr>
             <a:r>
               <a:rPr lang="ja-JP" altLang="en-US"/>
@@ -3510,12 +3504,10 @@
             </a:r>
           </a:p>
           <a:p>
-            <a:pPr marL="514350" indent="-514350">
+            <a:pPr>
               <a:lnSpc>
                 <a:spcPct val="100000"/>
               </a:lnSpc>
-              <a:buFont typeface="+mj-lt"/>
-              <a:buAutoNum type="arabicPeriod"/>
             </a:pPr>
             <a:r>
               <a:rPr lang="ja-JP" altLang="en-US"/>
@@ -3666,29 +3658,8 @@
           <a:p>
             <a:r>
               <a:rPr kumimoji="1" lang="ja-JP" altLang="en-US"/>
-              <a:t>前回からの進捗</a:t>
-            </a:r>
-            <a:r>
-              <a:rPr kumimoji="1" lang="en-US" altLang="ja-JP" dirty="0"/>
-              <a:t>(</a:t>
-            </a:r>
-            <a:r>
-              <a:rPr lang="ja-JP" altLang="en-US"/>
-              <a:t>１ミリでも進んでたら</a:t>
-            </a:r>
-            <a:r>
-              <a:rPr lang="en-US" altLang="ja-JP" dirty="0"/>
-              <a:t>OK</a:t>
-            </a:r>
-            <a:r>
-              <a:rPr lang="ja-JP" altLang="en-US"/>
-              <a:t>です</a:t>
-            </a:r>
-            <a:r>
-              <a:rPr kumimoji="1" lang="en-US" altLang="ja-JP" dirty="0"/>
-              <a:t>)</a:t>
-            </a:r>
-            <a:endParaRPr kumimoji="1" lang="ja-JP" altLang="en-US"/>
+              <a:t>○○の紹介</a:t>
+            </a:r>
           </a:p>
         </p:txBody>
       </p:sp>
@@ -3715,37 +3686,31 @@
           <a:p>
             <a:r>
               <a:rPr kumimoji="1" lang="ja-JP" altLang="en-US"/>
-              <a:t>〇〇を先生と相談し△△の使い方を調べた</a:t>
+              <a:t>〇〇とは△△に関連がある</a:t>
+            </a:r>
+            <a:endParaRPr kumimoji="1" lang="en-US" altLang="ja-JP" dirty="0"/>
+          </a:p>
+          <a:p>
+            <a:r>
+              <a:rPr lang="ja-JP" altLang="en-US"/>
+              <a:t>△△は重要である</a:t>
             </a:r>
             <a:endParaRPr lang="en-US" altLang="ja-JP" dirty="0"/>
           </a:p>
           <a:p>
             <a:r>
-              <a:rPr kumimoji="1" lang="ja-JP" altLang="en-US"/>
-              <a:t>具体的に〇〇の使い方について</a:t>
-            </a:r>
-            <a:r>
-              <a:rPr kumimoji="1" lang="en-US" altLang="ja-JP" dirty="0"/>
-              <a:t>M1</a:t>
-            </a:r>
-            <a:r>
-              <a:rPr kumimoji="1" lang="ja-JP" altLang="en-US"/>
-              <a:t>でプログラムを書いてみた</a:t>
-            </a:r>
-            <a:endParaRPr kumimoji="1" lang="en-US" altLang="ja-JP" dirty="0"/>
-          </a:p>
-          <a:p>
-            <a:r>
               <a:rPr lang="ja-JP" altLang="en-US"/>
-              <a:t>〇〇のシミュレーションを流してみた。</a:t>
+              <a:t>しかし未だ</a:t>
             </a:r>
             <a:r>
               <a:rPr lang="en-US" altLang="ja-JP" dirty="0"/>
-              <a:t>etc...</a:t>
-            </a:r>
-          </a:p>
-          <a:p>
-            <a:endParaRPr kumimoji="1" lang="en-US" altLang="ja-JP" dirty="0"/>
+              <a:t>××</a:t>
+            </a:r>
+            <a:r>
+              <a:rPr lang="ja-JP" altLang="en-US"/>
+              <a:t>の問題が解かれていない</a:t>
+            </a:r>
+            <a:endParaRPr lang="en-US" altLang="ja-JP" dirty="0"/>
           </a:p>
         </p:txBody>
       </p:sp>
@@ -3774,7 +3739,7 @@
           <a:p>
             <a:r>
               <a:rPr kumimoji="1" lang="ja-JP" altLang="en-US"/>
-              <a:t>前回からの進捗</a:t>
+              <a:t>研究の背景</a:t>
             </a:r>
           </a:p>
         </p:txBody>
@@ -3811,10 +3776,59 @@
       </p:grpSpPr>
       <p:sp>
         <p:nvSpPr>
+          <p:cNvPr id="2" name="タイトル 1">
+            <a:extLst>
+              <a:ext uri="{FF2B5EF4-FFF2-40B4-BE49-F238E27FC236}">
+                <a16:creationId xmlns:a16="http://schemas.microsoft.com/office/drawing/2014/main" id="{F1FE7DCC-3A81-5442-9176-9BC1A638A6A9}"/>
+              </a:ext>
+            </a:extLst>
+          </p:cNvPr>
+          <p:cNvSpPr>
+            <a:spLocks noGrp="1"/>
+          </p:cNvSpPr>
+          <p:nvPr>
+            <p:ph type="title"/>
+          </p:nvPr>
+        </p:nvSpPr>
+        <p:spPr/>
+        <p:txBody>
+          <a:bodyPr/>
+          <a:lstStyle/>
+          <a:p>
+            <a:r>
+              <a:rPr kumimoji="1" lang="ja-JP" altLang="en-US"/>
+              <a:t>前回からの進捗</a:t>
+            </a:r>
+            <a:r>
+              <a:rPr kumimoji="1" lang="en-US" altLang="ja-JP" dirty="0"/>
+              <a:t>(</a:t>
+            </a:r>
+            <a:r>
+              <a:rPr lang="ja-JP" altLang="en-US"/>
+              <a:t>１ミリでも進んでたら</a:t>
+            </a:r>
+            <a:r>
+              <a:rPr lang="en-US" altLang="ja-JP" dirty="0"/>
+              <a:t>OK</a:t>
+            </a:r>
+            <a:r>
+              <a:rPr lang="ja-JP" altLang="en-US"/>
+              <a:t>です</a:t>
+            </a:r>
+            <a:r>
+              <a:rPr kumimoji="1" lang="en-US" altLang="ja-JP" dirty="0"/>
+              <a:t>)</a:t>
+            </a:r>
+            <a:endParaRPr kumimoji="1" lang="ja-JP" altLang="en-US"/>
+          </a:p>
+        </p:txBody>
+      </p:sp>
+      <p:sp>
+        <p:nvSpPr>
           <p:cNvPr id="3" name="コンテンツ プレースホルダー 2">
             <a:extLst>
               <a:ext uri="{FF2B5EF4-FFF2-40B4-BE49-F238E27FC236}">
-                <a16:creationId xmlns:a16="http://schemas.microsoft.com/office/drawing/2014/main" id="{51BCED8A-F20A-E817-ABA9-9A2B72D70D53}"/>
+                <a16:creationId xmlns:a16="http://schemas.microsoft.com/office/drawing/2014/main" id="{91E358A3-1ACC-BB2E-17C3-6781BD49E777}"/>
               </a:ext>
             </a:extLst>
           </p:cNvPr>
@@ -3825,155 +3839,44 @@
             <p:ph idx="1"/>
           </p:nvPr>
         </p:nvSpPr>
-        <p:spPr>
-          <a:xfrm>
-            <a:off x="210574" y="957369"/>
-            <a:ext cx="11099800" cy="5595832"/>
-          </a:xfrm>
-        </p:spPr>
-        <p:txBody>
-          <a:bodyPr vert="horz" lIns="91440" tIns="45720" rIns="91440" bIns="45720" rtlCol="0" anchor="t">
-            <a:normAutofit/>
-          </a:bodyPr>
+        <p:spPr/>
+        <p:txBody>
+          <a:bodyPr/>
           <a:lstStyle/>
           <a:p>
-            <a:pPr>
-              <a:lnSpc>
-                <a:spcPct val="150000"/>
-              </a:lnSpc>
-            </a:pPr>
-            <a:r>
-              <a:rPr lang="en-US" altLang="ja-JP" sz="3200" dirty="0" err="1">
-                <a:latin typeface="游ゴシック"/>
-                <a:ea typeface="游ゴシック"/>
-              </a:rPr>
-              <a:t>現在</a:t>
-            </a:r>
-            <a:r>
-              <a:rPr lang="ja-JP" altLang="en-US" sz="3200">
-                <a:latin typeface="游ゴシック"/>
-                <a:ea typeface="游ゴシック"/>
-              </a:rPr>
-              <a:t>の</a:t>
-            </a:r>
-            <a:r>
-              <a:rPr lang="en-US" altLang="ja-JP" sz="3200" dirty="0">
-                <a:latin typeface="游ゴシック"/>
-                <a:ea typeface="游ゴシック"/>
-              </a:rPr>
-              <a:t>TODO</a:t>
-            </a:r>
-            <a:endParaRPr lang="en-US" altLang="ja-JP" sz="3200" dirty="0"/>
-          </a:p>
-          <a:p>
-            <a:pPr lvl="1">
-              <a:lnSpc>
-                <a:spcPct val="150000"/>
-              </a:lnSpc>
-              <a:buFont typeface="Courier New" panose="05000000000000000000" pitchFamily="2" charset="2"/>
-              <a:buChar char="o"/>
-            </a:pPr>
-            <a:r>
-              <a:rPr lang="en-US" altLang="ja-JP" sz="2800" b="1" dirty="0">
-                <a:solidFill>
-                  <a:srgbClr val="191919"/>
-                </a:solidFill>
-                <a:latin typeface="游ゴシック"/>
-                <a:ea typeface="游ゴシック"/>
-              </a:rPr>
-              <a:t>やってること１</a:t>
-            </a:r>
-          </a:p>
-          <a:p>
-            <a:pPr lvl="1">
-              <a:lnSpc>
-                <a:spcPct val="150000"/>
-              </a:lnSpc>
-              <a:buFont typeface="Courier New" panose="05000000000000000000" pitchFamily="2" charset="2"/>
-              <a:buChar char="o"/>
-            </a:pPr>
-            <a:r>
-              <a:rPr lang="en-US" altLang="ja-JP" sz="2800" b="1" dirty="0">
-                <a:solidFill>
-                  <a:srgbClr val="191919"/>
-                </a:solidFill>
-                <a:latin typeface="游ゴシック"/>
-                <a:ea typeface="游ゴシック"/>
-              </a:rPr>
-              <a:t>やってること２</a:t>
-            </a:r>
-            <a:endParaRPr lang="en-US" altLang="ja-JP" sz="3200" dirty="0">
-              <a:solidFill>
-                <a:srgbClr val="191919"/>
-              </a:solidFill>
-              <a:latin typeface="游ゴシック"/>
-              <a:ea typeface="游ゴシック"/>
-            </a:endParaRPr>
-          </a:p>
-          <a:p>
-            <a:pPr>
-              <a:lnSpc>
-                <a:spcPct val="150000"/>
-              </a:lnSpc>
-              <a:buClr>
-                <a:srgbClr val="C32A3B"/>
-              </a:buClr>
-            </a:pPr>
-            <a:r>
-              <a:rPr lang="ja-JP" altLang="en-US" sz="3200">
-                <a:solidFill>
-                  <a:srgbClr val="191919"/>
-                </a:solidFill>
-                <a:latin typeface="游ゴシック"/>
-                <a:ea typeface="游ゴシック"/>
-              </a:rPr>
-              <a:t>困っていること</a:t>
-            </a:r>
-            <a:endParaRPr lang="en-US" altLang="ja-JP" sz="3200" dirty="0">
-              <a:solidFill>
-                <a:srgbClr val="191919"/>
-              </a:solidFill>
-              <a:latin typeface="游ゴシック"/>
-              <a:ea typeface="游ゴシック"/>
-            </a:endParaRPr>
-          </a:p>
-          <a:p>
-            <a:pPr lvl="1">
-              <a:lnSpc>
-                <a:spcPct val="150000"/>
-              </a:lnSpc>
-              <a:buFont typeface="Courier New" panose="05000000000000000000" pitchFamily="2" charset="2"/>
-              <a:buChar char="o"/>
-            </a:pPr>
-            <a:r>
-              <a:rPr lang="en-US" altLang="ja-JP" sz="2800" b="1" dirty="0">
-                <a:solidFill>
-                  <a:srgbClr val="191919"/>
-                </a:solidFill>
-                <a:latin typeface="游ゴシック"/>
-                <a:ea typeface="游ゴシック"/>
-              </a:rPr>
-              <a:t>1の実装に困ってる</a:t>
-            </a:r>
-          </a:p>
-          <a:p>
-            <a:pPr lvl="1">
-              <a:lnSpc>
-                <a:spcPct val="150000"/>
-              </a:lnSpc>
-              <a:buFont typeface="Courier New" panose="05000000000000000000" pitchFamily="2" charset="2"/>
-              <a:buChar char="o"/>
-            </a:pPr>
-            <a:r>
-              <a:rPr lang="en-US" altLang="ja-JP" sz="2800" b="1" dirty="0" err="1">
-                <a:solidFill>
-                  <a:srgbClr val="191919"/>
-                </a:solidFill>
-                <a:latin typeface="游ゴシック"/>
-                <a:ea typeface="游ゴシック"/>
-              </a:rPr>
-              <a:t>理論がわからない</a:t>
-            </a:r>
+            <a:r>
+              <a:rPr kumimoji="1" lang="ja-JP" altLang="en-US"/>
+              <a:t>〇〇を先生と相談し△△の使い方を調べた</a:t>
+            </a:r>
+            <a:endParaRPr lang="en-US" altLang="ja-JP" dirty="0"/>
+          </a:p>
+          <a:p>
+            <a:r>
+              <a:rPr kumimoji="1" lang="ja-JP" altLang="en-US"/>
+              <a:t>具体的に〇〇の使い方について</a:t>
+            </a:r>
+            <a:r>
+              <a:rPr kumimoji="1" lang="en-US" altLang="ja-JP" dirty="0"/>
+              <a:t>M1</a:t>
+            </a:r>
+            <a:r>
+              <a:rPr kumimoji="1" lang="ja-JP" altLang="en-US"/>
+              <a:t>でプログラムを書いてみた</a:t>
+            </a:r>
+            <a:endParaRPr kumimoji="1" lang="en-US" altLang="ja-JP" dirty="0"/>
+          </a:p>
+          <a:p>
+            <a:r>
+              <a:rPr lang="ja-JP" altLang="en-US"/>
+              <a:t>〇〇のシミュレーションを流してみた。</a:t>
+            </a:r>
+            <a:r>
+              <a:rPr lang="en-US" altLang="ja-JP" dirty="0"/>
+              <a:t>etc...</a:t>
+            </a:r>
+          </a:p>
+          <a:p>
+            <a:endParaRPr kumimoji="1" lang="en-US" altLang="ja-JP" dirty="0"/>
           </a:p>
         </p:txBody>
       </p:sp>
@@ -3982,7 +3885,7 @@
           <p:cNvPr id="4" name="テキスト プレースホルダー 3">
             <a:extLst>
               <a:ext uri="{FF2B5EF4-FFF2-40B4-BE49-F238E27FC236}">
-                <a16:creationId xmlns:a16="http://schemas.microsoft.com/office/drawing/2014/main" id="{FBA67E2C-3ACF-2E98-EDB7-3A5FA5BB0CC5}"/>
+                <a16:creationId xmlns:a16="http://schemas.microsoft.com/office/drawing/2014/main" id="{2FADE9BD-C4D8-C1FD-85EF-6FBD5612284E}"/>
               </a:ext>
             </a:extLst>
           </p:cNvPr>
@@ -3995,40 +3898,22 @@
         </p:nvSpPr>
         <p:spPr/>
         <p:txBody>
-          <a:bodyPr vert="horz" lIns="91440" tIns="45720" rIns="91440" bIns="45720" rtlCol="0" anchor="t">
+          <a:bodyPr>
             <a:normAutofit fontScale="92500" lnSpcReduction="10000"/>
           </a:bodyPr>
           <a:lstStyle/>
           <a:p>
             <a:r>
-              <a:rPr lang="ja-JP" altLang="en-US">
-                <a:latin typeface="游ゴシック Medium"/>
-                <a:ea typeface="游ゴシック Medium"/>
-              </a:rPr>
-              <a:t>現在の</a:t>
-            </a:r>
-            <a:r>
-              <a:rPr lang="en-US" altLang="ja-JP" dirty="0">
-                <a:latin typeface="游ゴシック Medium"/>
-                <a:ea typeface="游ゴシック Medium"/>
-              </a:rPr>
-              <a:t>TODO</a:t>
-            </a:r>
-            <a:r>
-              <a:rPr lang="ja-JP" altLang="en-US">
-                <a:latin typeface="游ゴシック Medium"/>
-                <a:ea typeface="游ゴシック Medium"/>
-              </a:rPr>
-              <a:t>と困っていること</a:t>
-            </a:r>
-            <a:endParaRPr lang="ja-JP" altLang="en-US" dirty="0"/>
+              <a:rPr kumimoji="1" lang="ja-JP" altLang="en-US"/>
+              <a:t>前回からの進捗</a:t>
+            </a:r>
           </a:p>
         </p:txBody>
       </p:sp>
     </p:spTree>
     <p:extLst>
       <p:ext uri="{BB962C8B-B14F-4D97-AF65-F5344CB8AC3E}">
-        <p14:creationId xmlns:p14="http://schemas.microsoft.com/office/powerpoint/2010/main" val="1190366117"/>
+        <p14:creationId xmlns:p14="http://schemas.microsoft.com/office/powerpoint/2010/main" val="2328206769"/>
       </p:ext>
     </p:extLst>
   </p:cSld>
@@ -4057,6 +3942,252 @@
       </p:grpSpPr>
       <p:sp>
         <p:nvSpPr>
+          <p:cNvPr id="3" name="コンテンツ プレースホルダー 2">
+            <a:extLst>
+              <a:ext uri="{FF2B5EF4-FFF2-40B4-BE49-F238E27FC236}">
+                <a16:creationId xmlns:a16="http://schemas.microsoft.com/office/drawing/2014/main" id="{51BCED8A-F20A-E817-ABA9-9A2B72D70D53}"/>
+              </a:ext>
+            </a:extLst>
+          </p:cNvPr>
+          <p:cNvSpPr>
+            <a:spLocks noGrp="1"/>
+          </p:cNvSpPr>
+          <p:nvPr>
+            <p:ph idx="1"/>
+          </p:nvPr>
+        </p:nvSpPr>
+        <p:spPr>
+          <a:xfrm>
+            <a:off x="210574" y="957369"/>
+            <a:ext cx="11099800" cy="5595832"/>
+          </a:xfrm>
+        </p:spPr>
+        <p:txBody>
+          <a:bodyPr vert="horz" lIns="91440" tIns="45720" rIns="91440" bIns="45720" rtlCol="0" anchor="t">
+            <a:normAutofit/>
+          </a:bodyPr>
+          <a:lstStyle/>
+          <a:p>
+            <a:pPr>
+              <a:lnSpc>
+                <a:spcPct val="150000"/>
+              </a:lnSpc>
+            </a:pPr>
+            <a:r>
+              <a:rPr lang="en-US" altLang="ja-JP" sz="3200" dirty="0" err="1">
+                <a:latin typeface="游ゴシック"/>
+                <a:ea typeface="游ゴシック"/>
+              </a:rPr>
+              <a:t>現在</a:t>
+            </a:r>
+            <a:r>
+              <a:rPr lang="ja-JP" altLang="en-US" sz="3200">
+                <a:latin typeface="游ゴシック"/>
+                <a:ea typeface="游ゴシック"/>
+              </a:rPr>
+              <a:t>の</a:t>
+            </a:r>
+            <a:r>
+              <a:rPr lang="en-US" altLang="ja-JP" sz="3200" dirty="0">
+                <a:latin typeface="游ゴシック"/>
+                <a:ea typeface="游ゴシック"/>
+              </a:rPr>
+              <a:t>TODO</a:t>
+            </a:r>
+            <a:endParaRPr lang="en-US" altLang="ja-JP" sz="3200" dirty="0"/>
+          </a:p>
+          <a:p>
+            <a:pPr lvl="1">
+              <a:lnSpc>
+                <a:spcPct val="150000"/>
+              </a:lnSpc>
+              <a:buFont typeface="Courier New" panose="05000000000000000000" pitchFamily="2" charset="2"/>
+              <a:buChar char="o"/>
+            </a:pPr>
+            <a:r>
+              <a:rPr lang="en-US" altLang="ja-JP" sz="2800" b="1" dirty="0">
+                <a:solidFill>
+                  <a:srgbClr val="191919"/>
+                </a:solidFill>
+                <a:latin typeface="游ゴシック"/>
+                <a:ea typeface="游ゴシック"/>
+              </a:rPr>
+              <a:t>やってること１</a:t>
+            </a:r>
+          </a:p>
+          <a:p>
+            <a:pPr lvl="1">
+              <a:lnSpc>
+                <a:spcPct val="150000"/>
+              </a:lnSpc>
+              <a:buFont typeface="Courier New" panose="05000000000000000000" pitchFamily="2" charset="2"/>
+              <a:buChar char="o"/>
+            </a:pPr>
+            <a:r>
+              <a:rPr lang="en-US" altLang="ja-JP" sz="2800" b="1" dirty="0">
+                <a:solidFill>
+                  <a:srgbClr val="191919"/>
+                </a:solidFill>
+                <a:latin typeface="游ゴシック"/>
+                <a:ea typeface="游ゴシック"/>
+              </a:rPr>
+              <a:t>やってること２</a:t>
+            </a:r>
+            <a:endParaRPr lang="en-US" altLang="ja-JP" sz="3200" dirty="0">
+              <a:solidFill>
+                <a:srgbClr val="191919"/>
+              </a:solidFill>
+              <a:latin typeface="游ゴシック"/>
+              <a:ea typeface="游ゴシック"/>
+            </a:endParaRPr>
+          </a:p>
+          <a:p>
+            <a:pPr>
+              <a:lnSpc>
+                <a:spcPct val="150000"/>
+              </a:lnSpc>
+              <a:buClr>
+                <a:srgbClr val="C32A3B"/>
+              </a:buClr>
+            </a:pPr>
+            <a:r>
+              <a:rPr lang="ja-JP" altLang="en-US" sz="3200">
+                <a:solidFill>
+                  <a:srgbClr val="191919"/>
+                </a:solidFill>
+                <a:latin typeface="游ゴシック"/>
+                <a:ea typeface="游ゴシック"/>
+              </a:rPr>
+              <a:t>困っていること</a:t>
+            </a:r>
+            <a:endParaRPr lang="en-US" altLang="ja-JP" sz="3200" dirty="0">
+              <a:solidFill>
+                <a:srgbClr val="191919"/>
+              </a:solidFill>
+              <a:latin typeface="游ゴシック"/>
+              <a:ea typeface="游ゴシック"/>
+            </a:endParaRPr>
+          </a:p>
+          <a:p>
+            <a:pPr lvl="1">
+              <a:lnSpc>
+                <a:spcPct val="150000"/>
+              </a:lnSpc>
+              <a:buFont typeface="Courier New" panose="05000000000000000000" pitchFamily="2" charset="2"/>
+              <a:buChar char="o"/>
+            </a:pPr>
+            <a:r>
+              <a:rPr lang="en-US" altLang="ja-JP" sz="2800" b="1" dirty="0">
+                <a:solidFill>
+                  <a:srgbClr val="191919"/>
+                </a:solidFill>
+                <a:latin typeface="游ゴシック"/>
+                <a:ea typeface="游ゴシック"/>
+              </a:rPr>
+              <a:t>1の実装に困ってる</a:t>
+            </a:r>
+          </a:p>
+          <a:p>
+            <a:pPr lvl="1">
+              <a:lnSpc>
+                <a:spcPct val="150000"/>
+              </a:lnSpc>
+              <a:buFont typeface="Courier New" panose="05000000000000000000" pitchFamily="2" charset="2"/>
+              <a:buChar char="o"/>
+            </a:pPr>
+            <a:r>
+              <a:rPr lang="en-US" altLang="ja-JP" sz="2800" b="1" dirty="0" err="1">
+                <a:solidFill>
+                  <a:srgbClr val="191919"/>
+                </a:solidFill>
+                <a:latin typeface="游ゴシック"/>
+                <a:ea typeface="游ゴシック"/>
+              </a:rPr>
+              <a:t>理論がわからない</a:t>
+            </a:r>
+          </a:p>
+        </p:txBody>
+      </p:sp>
+      <p:sp>
+        <p:nvSpPr>
+          <p:cNvPr id="4" name="テキスト プレースホルダー 3">
+            <a:extLst>
+              <a:ext uri="{FF2B5EF4-FFF2-40B4-BE49-F238E27FC236}">
+                <a16:creationId xmlns:a16="http://schemas.microsoft.com/office/drawing/2014/main" id="{FBA67E2C-3ACF-2E98-EDB7-3A5FA5BB0CC5}"/>
+              </a:ext>
+            </a:extLst>
+          </p:cNvPr>
+          <p:cNvSpPr>
+            <a:spLocks noGrp="1"/>
+          </p:cNvSpPr>
+          <p:nvPr>
+            <p:ph type="body" sz="quarter" idx="11"/>
+          </p:nvPr>
+        </p:nvSpPr>
+        <p:spPr/>
+        <p:txBody>
+          <a:bodyPr vert="horz" lIns="91440" tIns="45720" rIns="91440" bIns="45720" rtlCol="0" anchor="t">
+            <a:normAutofit fontScale="92500" lnSpcReduction="10000"/>
+          </a:bodyPr>
+          <a:lstStyle/>
+          <a:p>
+            <a:r>
+              <a:rPr lang="ja-JP" altLang="en-US">
+                <a:latin typeface="游ゴシック Medium"/>
+                <a:ea typeface="游ゴシック Medium"/>
+              </a:rPr>
+              <a:t>現在の</a:t>
+            </a:r>
+            <a:r>
+              <a:rPr lang="en-US" altLang="ja-JP" dirty="0">
+                <a:latin typeface="游ゴシック Medium"/>
+                <a:ea typeface="游ゴシック Medium"/>
+              </a:rPr>
+              <a:t>TODO</a:t>
+            </a:r>
+            <a:r>
+              <a:rPr lang="ja-JP" altLang="en-US">
+                <a:latin typeface="游ゴシック Medium"/>
+                <a:ea typeface="游ゴシック Medium"/>
+              </a:rPr>
+              <a:t>と困っていること</a:t>
+            </a:r>
+            <a:endParaRPr lang="ja-JP" altLang="en-US" dirty="0"/>
+          </a:p>
+        </p:txBody>
+      </p:sp>
+    </p:spTree>
+    <p:extLst>
+      <p:ext uri="{BB962C8B-B14F-4D97-AF65-F5344CB8AC3E}">
+        <p14:creationId xmlns:p14="http://schemas.microsoft.com/office/powerpoint/2010/main" val="1190366117"/>
+      </p:ext>
+    </p:extLst>
+  </p:cSld>
+  <p:clrMapOvr>
+    <a:masterClrMapping/>
+  </p:clrMapOvr>
+</p:sld>
+</file>
+
+<file path=ppt/slides/slide6.xml><?xml version="1.0" encoding="utf-8"?>
+<p:sld xmlns:a="http://schemas.openxmlformats.org/drawingml/2006/main" xmlns:r="http://schemas.openxmlformats.org/officeDocument/2006/relationships" xmlns:p="http://schemas.openxmlformats.org/presentationml/2006/main">
+  <p:cSld>
+    <p:spTree>
+      <p:nvGrpSpPr>
+        <p:cNvPr id="1" name=""/>
+        <p:cNvGrpSpPr/>
+        <p:nvPr/>
+      </p:nvGrpSpPr>
+      <p:grpSpPr>
+        <a:xfrm>
+          <a:off x="0" y="0"/>
+          <a:ext cx="0" cy="0"/>
+          <a:chOff x="0" y="0"/>
+          <a:chExt cx="0" cy="0"/>
+        </a:xfrm>
+      </p:grpSpPr>
+      <p:sp>
+        <p:nvSpPr>
           <p:cNvPr id="2" name="タイトル 1">
             <a:extLst>
               <a:ext uri="{FF2B5EF4-FFF2-40B4-BE49-F238E27FC236}">
@@ -4188,7 +4319,7 @@
 </p:sld>
 </file>
 
-<file path=ppt/slides/slide6.xml><?xml version="1.0" encoding="utf-8"?>
+<file path=ppt/slides/slide7.xml><?xml version="1.0" encoding="utf-8"?>
 <p:sld xmlns:a="http://schemas.openxmlformats.org/drawingml/2006/main" xmlns:r="http://schemas.openxmlformats.org/officeDocument/2006/relationships" xmlns:p="http://schemas.openxmlformats.org/presentationml/2006/main">
   <p:cSld>
     <p:spTree>
@@ -4838,6 +4969,15 @@
 </file>
 
 <file path=customXml/item1.xml><?xml version="1.0" encoding="utf-8"?>
+<?mso-contentType ?>
+<FormTemplates xmlns="http://schemas.microsoft.com/sharepoint/v3/contenttype/forms">
+  <Display>DocumentLibraryForm</Display>
+  <Edit>DocumentLibraryForm</Edit>
+  <New>DocumentLibraryForm</New>
+</FormTemplates>
+</file>
+
+<file path=customXml/item2.xml><?xml version="1.0" encoding="utf-8"?>
 <ct:contentTypeSchema xmlns:ct="http://schemas.microsoft.com/office/2006/metadata/contentType" xmlns:ma="http://schemas.microsoft.com/office/2006/metadata/properties/metaAttributes" ct:_="" ma:_="" ma:contentTypeName="ドキュメント" ma:contentTypeID="0x0101003203812109988649908560152F41EA96" ma:contentTypeVersion="14" ma:contentTypeDescription="新しいドキュメントを作成します。" ma:contentTypeScope="" ma:versionID="cfed0265e5ab8ab296b496ee92aec9a2">
   <xsd:schema xmlns:xsd="http://www.w3.org/2001/XMLSchema" xmlns:xs="http://www.w3.org/2001/XMLSchema" xmlns:p="http://schemas.microsoft.com/office/2006/metadata/properties" xmlns:ns2="c5504273-a1d9-4d07-b707-55eeebbc1060" xmlns:ns3="88ebc585-e692-4c04-9bd6-1fae7c9c83be" targetNamespace="http://schemas.microsoft.com/office/2006/metadata/properties" ma:root="true" ma:fieldsID="622ae92f911966a228be1c0face41edc" ns2:_="" ns3:_="">
     <xsd:import namespace="c5504273-a1d9-4d07-b707-55eeebbc1060"/>
@@ -5066,16 +5206,15 @@
 </ct:contentTypeSchema>
 </file>
 
-<file path=customXml/item2.xml><?xml version="1.0" encoding="utf-8"?>
-<?mso-contentType ?>
-<FormTemplates xmlns="http://schemas.microsoft.com/sharepoint/v3/contenttype/forms">
-  <Display>DocumentLibraryForm</Display>
-  <Edit>DocumentLibraryForm</Edit>
-  <New>DocumentLibraryForm</New>
-</FormTemplates>
+<file path=customXml/itemProps1.xml><?xml version="1.0" encoding="utf-8"?>
+<ds:datastoreItem xmlns:ds="http://schemas.openxmlformats.org/officeDocument/2006/customXml" ds:itemID="{6748CB56-9F00-4CF6-8073-94DDB04B2E25}">
+  <ds:schemaRefs>
+    <ds:schemaRef ds:uri="http://schemas.microsoft.com/sharepoint/v3/contenttype/forms"/>
+  </ds:schemaRefs>
+</ds:datastoreItem>
 </file>
 
-<file path=customXml/itemProps1.xml><?xml version="1.0" encoding="utf-8"?>
+<file path=customXml/itemProps2.xml><?xml version="1.0" encoding="utf-8"?>
 <ds:datastoreItem xmlns:ds="http://schemas.openxmlformats.org/officeDocument/2006/customXml" ds:itemID="{8EACEC2D-1D44-45E2-8244-5BF6F76BBA3A}">
   <ds:schemaRefs>
     <ds:schemaRef ds:uri="http://schemas.microsoft.com/office/2006/metadata/contentType"/>
@@ -5092,12 +5231,4 @@
     <ds:schemaRef ds:uri="http://schemas.microsoft.com/internal/obd"/>
   </ds:schemaRefs>
 </ds:datastoreItem>
-</file>
-
-<file path=customXml/itemProps2.xml><?xml version="1.0" encoding="utf-8"?>
-<ds:datastoreItem xmlns:ds="http://schemas.openxmlformats.org/officeDocument/2006/customXml" ds:itemID="{6748CB56-9F00-4CF6-8073-94DDB04B2E25}">
-  <ds:schemaRefs>
-    <ds:schemaRef ds:uri="http://schemas.microsoft.com/sharepoint/v3/contenttype/forms"/>
-  </ds:schemaRefs>
-</ds:datastoreItem>
 </file>